--- a/powerpoints/02-map-the-web.pptx
+++ b/powerpoints/02-map-the-web.pptx
@@ -5,7 +5,7 @@
     <p:sldMasterId id="2147483648" r:id="rId1"/>
   </p:sldMasterIdLst>
   <p:notesMasterIdLst>
-    <p:NotesMasterId r:id="rId16"/>
+    <p:NotesMasterId r:id="rId14"/>
   </p:notesMasterIdLst>
   <p:sldIdLst>
     <p:sldId id="256" r:id="rId2"/>
@@ -20,8 +20,6 @@
     <p:sldId id="265" r:id="rId11"/>
     <p:sldId id="266" r:id="rId12"/>
     <p:sldId id="267" r:id="rId13"/>
-    <p:sldId id="268" r:id="rId14"/>
-    <p:sldId id="269" r:id="rId15"/>
   </p:sldIdLst>
   <p:sldSz cx="9144000" cy="6858000" type="screen4x3"/>
   <p:notesSz cx="6858000" cy="9144000"/>
@@ -2413,7 +2411,7 @@
           <a:p>
             <a:fld id="{18BDFEC3-8487-43E8-A154-7C12CBC1FFF2}" type="slidenum">
               <a:rPr lang="en-US"/>
-              <a:t>5</a:t>
+              <a:t>3</a:t>
             </a:fld>
             <a:endParaRPr lang="en-US"/>
           </a:p>
@@ -3416,7 +3414,7 @@
           <a:p>
             <a:fld id="{18BDFEC3-8487-43E8-A154-7C12CBC1FFF2}" type="slidenum">
               <a:rPr lang="en-US"/>
-              <a:t>6</a:t>
+              <a:t>4</a:t>
             </a:fld>
             <a:endParaRPr lang="en-US"/>
           </a:p>
@@ -3664,7 +3662,7 @@
           <a:p>
             <a:fld id="{18BDFEC3-8487-43E8-A154-7C12CBC1FFF2}" type="slidenum">
               <a:rPr lang="en-US"/>
-              <a:t>7</a:t>
+              <a:t>5</a:t>
             </a:fld>
             <a:endParaRPr lang="en-US"/>
           </a:p>
@@ -5597,7 +5595,7 @@
           <a:p>
             <a:fld id="{18BDFEC3-8487-43E8-A154-7C12CBC1FFF2}" type="slidenum">
               <a:rPr lang="en-US"/>
-              <a:t>8</a:t>
+              <a:t>6</a:t>
             </a:fld>
             <a:endParaRPr lang="en-US"/>
           </a:p>
@@ -6113,7 +6111,7 @@
           <a:p>
             <a:fld id="{18BDFEC3-8487-43E8-A154-7C12CBC1FFF2}" type="slidenum">
               <a:rPr lang="en-US"/>
-              <a:t>9</a:t>
+              <a:t>7</a:t>
             </a:fld>
             <a:endParaRPr lang="en-US"/>
           </a:p>
@@ -7059,7 +7057,7 @@
           <a:p>
             <a:fld id="{18BDFEC3-8487-43E8-A154-7C12CBC1FFF2}" type="slidenum">
               <a:rPr lang="en-US"/>
-              <a:t>10</a:t>
+              <a:t>8</a:t>
             </a:fld>
             <a:endParaRPr lang="en-US"/>
           </a:p>
@@ -15673,7 +15671,7 @@
           <a:p>
             <a:fld id="{18BDFEC3-8487-43E8-A154-7C12CBC1FFF2}" type="slidenum">
               <a:rPr lang="en-US"/>
-              <a:t>11</a:t>
+              <a:t>9</a:t>
             </a:fld>
             <a:endParaRPr lang="en-US"/>
           </a:p>
@@ -16821,7 +16819,7 @@
           <a:p>
             <a:fld id="{18BDFEC3-8487-43E8-A154-7C12CBC1FFF2}" type="slidenum">
               <a:rPr lang="en-US"/>
-              <a:t>12</a:t>
+              <a:t>10</a:t>
             </a:fld>
             <a:endParaRPr lang="en-US"/>
           </a:p>
@@ -17615,7 +17613,7 @@
           <a:p>
             <a:fld id="{18BDFEC3-8487-43E8-A154-7C12CBC1FFF2}" type="slidenum">
               <a:rPr lang="en-US"/>
-              <a:t>13</a:t>
+              <a:t>11</a:t>
             </a:fld>
             <a:endParaRPr lang="en-US"/>
           </a:p>
@@ -20730,39 +20728,23 @@
             </a:pPr>
             <a:r>
               <a:rPr/>
-              <a:t>Assemble</a:t>
-            </a:r>
-            <a:r>
-              <a:rPr/>
-              <a:t> </a:t>
-            </a:r>
-            <a:r>
-              <a:rPr/>
-              <a:t>the</a:t>
-            </a:r>
-            <a:r>
-              <a:rPr/>
-              <a:t> </a:t>
-            </a:r>
-            <a:r>
-              <a:rPr/>
-              <a:t>Map</a:t>
-            </a:r>
-            <a:r>
-              <a:rPr/>
-              <a:t> </a:t>
-            </a:r>
-            <a:r>
-              <a:rPr/>
-              <a:t>or</a:t>
-            </a:r>
-            <a:r>
-              <a:rPr/>
-              <a:t> </a:t>
-            </a:r>
-            <a:r>
-              <a:rPr/>
-              <a:t>Model</a:t>
+              <a:t>Optional:</a:t>
+            </a:r>
+            <a:r>
+              <a:rPr/>
+              <a:t> </a:t>
+            </a:r>
+            <a:r>
+              <a:rPr/>
+              <a:t>IP</a:t>
+            </a:r>
+            <a:r>
+              <a:rPr/>
+              <a:t> </a:t>
+            </a:r>
+            <a:r>
+              <a:rPr/>
+              <a:t>Addresses</a:t>
             </a:r>
           </a:p>
         </p:txBody>
@@ -20785,14 +20767,14 @@
             <a:pPr lvl="1"/>
             <a:r>
               <a:rPr/>
-              <a:t>By placing sticky notes on a board</a:t>
+              <a:t>Ask the group how many computers or devices are connected to the internet.</a:t>
             </a:r>
           </a:p>
           <a:p>
             <a:pPr lvl="1"/>
             <a:r>
               <a:rPr/>
-              <a:t>Work together to create a diagram of the internet.</a:t>
+              <a:t>How do you think each computer is identified or located in the network?</a:t>
             </a:r>
           </a:p>
         </p:txBody>
@@ -20839,23 +20821,23 @@
             </a:pPr>
             <a:r>
               <a:rPr/>
-              <a:t>Perform</a:t>
-            </a:r>
-            <a:r>
-              <a:rPr/>
-              <a:t> </a:t>
-            </a:r>
-            <a:r>
-              <a:rPr/>
-              <a:t>the</a:t>
-            </a:r>
-            <a:r>
-              <a:rPr/>
-              <a:t> </a:t>
-            </a:r>
-            <a:r>
-              <a:rPr/>
-              <a:t>Net</a:t>
+              <a:t>Reflection</a:t>
+            </a:r>
+            <a:r>
+              <a:rPr/>
+              <a:t> </a:t>
+            </a:r>
+            <a:r>
+              <a:rPr/>
+              <a:t>and</a:t>
+            </a:r>
+            <a:r>
+              <a:rPr/>
+              <a:t> </a:t>
+            </a:r>
+            <a:r>
+              <a:rPr/>
+              <a:t>Review</a:t>
             </a:r>
           </a:p>
         </p:txBody>
@@ -20878,54 +20860,28 @@
             <a:pPr lvl="1"/>
             <a:r>
               <a:rPr/>
-              <a:t>Show this </a:t>
-            </a:r>
-            <a:r>
-              <a:rPr>
-                <a:hlinkClick r:id="rId3"/>
-              </a:rPr>
-              <a:t>introductory video</a:t>
-            </a:r>
-            <a:r>
-              <a:rPr/>
-              <a:t> to give learners a little more context</a:t>
+              <a:t>What happens on the Internet when you type a Web address and hit enter?</a:t>
             </a:r>
           </a:p>
           <a:p>
             <a:pPr lvl="1"/>
             <a:r>
               <a:rPr/>
-              <a:t>The information will travel from a</a:t>
-            </a:r>
-          </a:p>
-          <a:p>
-            <a:pPr lvl="2"/>
-            <a:r>
-              <a:rPr/>
-              <a:t>local (client) computer to</a:t>
-            </a:r>
-          </a:p>
-          <a:p>
-            <a:pPr lvl="2"/>
-            <a:r>
-              <a:rPr/>
-              <a:t>a Local Area Network to</a:t>
-            </a:r>
-            <a:br/>
-          </a:p>
-          <a:p>
-            <a:pPr lvl="2"/>
-            <a:r>
-              <a:rPr/>
-              <a:t>the Internet to</a:t>
-            </a:r>
-            <a:br/>
-          </a:p>
-          <a:p>
-            <a:pPr lvl="2"/>
-            <a:r>
-              <a:rPr/>
-              <a:t>the website of your choice</a:t>
+              <a:t>What are the “parts” of the Internet?</a:t>
+            </a:r>
+          </a:p>
+          <a:p>
+            <a:pPr lvl="1"/>
+            <a:r>
+              <a:rPr/>
+              <a:t>How do large amounts of information ever make it through low-bandwidth parts of the Net?</a:t>
+            </a:r>
+          </a:p>
+          <a:p>
+            <a:pPr lvl="1"/>
+            <a:r>
+              <a:rPr/>
+              <a:t>What’s the difference between the Internet and the World Wide Web?</a:t>
             </a:r>
           </a:p>
         </p:txBody>
@@ -20972,23 +20928,7 @@
             </a:pPr>
             <a:r>
               <a:rPr/>
-              <a:t>Optional:</a:t>
-            </a:r>
-            <a:r>
-              <a:rPr/>
-              <a:t> </a:t>
-            </a:r>
-            <a:r>
-              <a:rPr/>
-              <a:t>IP</a:t>
-            </a:r>
-            <a:r>
-              <a:rPr/>
-              <a:t> </a:t>
-            </a:r>
-            <a:r>
-              <a:rPr/>
-              <a:t>Addresses</a:t>
+              <a:t>mozilla</a:t>
             </a:r>
           </a:p>
         </p:txBody>
@@ -21008,190 +20948,6 @@
           <a:bodyPr/>
           <a:lstStyle/>
           <a:p>
-            <a:pPr lvl="1"/>
-            <a:r>
-              <a:rPr/>
-              <a:t>Ask the group how many computers or devices are connected to the internet.</a:t>
-            </a:r>
-          </a:p>
-          <a:p>
-            <a:pPr lvl="1"/>
-            <a:r>
-              <a:rPr/>
-              <a:t>How do you think each computer is identified or located in the network?</a:t>
-            </a:r>
-          </a:p>
-        </p:txBody>
-      </p:sp>
-    </p:spTree>
-  </p:cSld>
-</p:sld>
-</file>
-
-<file path=ppt/slides/slide13.xml><?xml version="1.0" encoding="utf-8"?>
-<p:sld xmlns:a="http://schemas.openxmlformats.org/drawingml/2006/main" xmlns:r="http://schemas.openxmlformats.org/officeDocument/2006/relationships" xmlns:p="http://schemas.openxmlformats.org/presentationml/2006/main">
-  <p:cSld>
-    <p:spTree>
-      <p:nvGrpSpPr>
-        <p:cNvPr id="1" name=""/>
-        <p:cNvGrpSpPr/>
-        <p:nvPr/>
-      </p:nvGrpSpPr>
-      <p:grpSpPr>
-        <a:xfrm>
-          <a:off x="0" y="0"/>
-          <a:ext cx="0" cy="0"/>
-          <a:chOff x="0" y="0"/>
-          <a:chExt cx="0" cy="0"/>
-        </a:xfrm>
-      </p:grpSpPr>
-      <p:sp>
-        <p:nvSpPr>
-          <p:cNvPr id="2" name="Title 1"/>
-          <p:cNvSpPr>
-            <a:spLocks noGrp="1"/>
-          </p:cNvSpPr>
-          <p:nvPr>
-            <p:ph type="title"/>
-          </p:nvPr>
-        </p:nvSpPr>
-        <p:spPr/>
-        <p:txBody>
-          <a:bodyPr/>
-          <a:lstStyle/>
-          <a:p>
-            <a:pPr lvl="0" marL="0" indent="0">
-              <a:buNone/>
-            </a:pPr>
-            <a:r>
-              <a:rPr/>
-              <a:t>Reflection</a:t>
-            </a:r>
-            <a:r>
-              <a:rPr/>
-              <a:t> </a:t>
-            </a:r>
-            <a:r>
-              <a:rPr/>
-              <a:t>and</a:t>
-            </a:r>
-            <a:r>
-              <a:rPr/>
-              <a:t> </a:t>
-            </a:r>
-            <a:r>
-              <a:rPr/>
-              <a:t>Review</a:t>
-            </a:r>
-          </a:p>
-        </p:txBody>
-      </p:sp>
-      <p:sp>
-        <p:nvSpPr>
-          <p:cNvPr id="3" name="Content Placeholder 2"/>
-          <p:cNvSpPr>
-            <a:spLocks noGrp="1"/>
-          </p:cNvSpPr>
-          <p:nvPr>
-            <p:ph idx="1"/>
-          </p:nvPr>
-        </p:nvSpPr>
-        <p:spPr/>
-        <p:txBody>
-          <a:bodyPr/>
-          <a:lstStyle/>
-          <a:p>
-            <a:pPr lvl="1"/>
-            <a:r>
-              <a:rPr/>
-              <a:t>What happens on the Internet when you type a Web address and hit enter?</a:t>
-            </a:r>
-          </a:p>
-          <a:p>
-            <a:pPr lvl="1"/>
-            <a:r>
-              <a:rPr/>
-              <a:t>What are the “parts” of the Internet?</a:t>
-            </a:r>
-          </a:p>
-          <a:p>
-            <a:pPr lvl="1"/>
-            <a:r>
-              <a:rPr/>
-              <a:t>How do large amounts of information ever make it through low-bandwidth parts of the Net?</a:t>
-            </a:r>
-          </a:p>
-          <a:p>
-            <a:pPr lvl="1"/>
-            <a:r>
-              <a:rPr/>
-              <a:t>What’s the difference between the Internet and the World Wide Web?</a:t>
-            </a:r>
-          </a:p>
-        </p:txBody>
-      </p:sp>
-    </p:spTree>
-  </p:cSld>
-</p:sld>
-</file>
-
-<file path=ppt/slides/slide14.xml><?xml version="1.0" encoding="utf-8"?>
-<p:sld xmlns:a="http://schemas.openxmlformats.org/drawingml/2006/main" xmlns:r="http://schemas.openxmlformats.org/officeDocument/2006/relationships" xmlns:p="http://schemas.openxmlformats.org/presentationml/2006/main">
-  <p:cSld>
-    <p:spTree>
-      <p:nvGrpSpPr>
-        <p:cNvPr id="1" name=""/>
-        <p:cNvGrpSpPr/>
-        <p:nvPr/>
-      </p:nvGrpSpPr>
-      <p:grpSpPr>
-        <a:xfrm>
-          <a:off x="0" y="0"/>
-          <a:ext cx="0" cy="0"/>
-          <a:chOff x="0" y="0"/>
-          <a:chExt cx="0" cy="0"/>
-        </a:xfrm>
-      </p:grpSpPr>
-      <p:sp>
-        <p:nvSpPr>
-          <p:cNvPr id="2" name="Title 1"/>
-          <p:cNvSpPr>
-            <a:spLocks noGrp="1"/>
-          </p:cNvSpPr>
-          <p:nvPr>
-            <p:ph type="title"/>
-          </p:nvPr>
-        </p:nvSpPr>
-        <p:spPr/>
-        <p:txBody>
-          <a:bodyPr/>
-          <a:lstStyle/>
-          <a:p>
-            <a:pPr lvl="0" marL="0" indent="0">
-              <a:buNone/>
-            </a:pPr>
-            <a:r>
-              <a:rPr/>
-              <a:t>Mozilla</a:t>
-            </a:r>
-          </a:p>
-        </p:txBody>
-      </p:sp>
-      <p:sp>
-        <p:nvSpPr>
-          <p:cNvPr id="3" name="Content Placeholder 2"/>
-          <p:cNvSpPr>
-            <a:spLocks noGrp="1"/>
-          </p:cNvSpPr>
-          <p:nvPr>
-            <p:ph idx="1"/>
-          </p:nvPr>
-        </p:nvSpPr>
-        <p:spPr/>
-        <p:txBody>
-          <a:bodyPr/>
-          <a:lstStyle/>
-          <a:p>
             <a:pPr lvl="0" marL="0" indent="0">
               <a:buNone/>
             </a:pPr>
@@ -21214,98 +20970,6 @@
 </file>
 
 <file path=ppt/slides/slide2.xml><?xml version="1.0" encoding="utf-8"?>
-<p:sld xmlns:a="http://schemas.openxmlformats.org/drawingml/2006/main" xmlns:r="http://schemas.openxmlformats.org/officeDocument/2006/relationships" xmlns:p="http://schemas.openxmlformats.org/presentationml/2006/main">
-  <p:cSld>
-    <p:spTree>
-      <p:nvGrpSpPr>
-        <p:cNvPr id="1" name=""/>
-        <p:cNvGrpSpPr/>
-        <p:nvPr/>
-      </p:nvGrpSpPr>
-      <p:grpSpPr>
-        <a:xfrm>
-          <a:off x="0" y="0"/>
-          <a:ext cx="0" cy="0"/>
-          <a:chOff x="0" y="0"/>
-          <a:chExt cx="0" cy="0"/>
-        </a:xfrm>
-      </p:grpSpPr>
-      <p:sp>
-        <p:nvSpPr>
-          <p:cNvPr id="2" name="Title 1"/>
-          <p:cNvSpPr>
-            <a:spLocks noGrp="1"/>
-          </p:cNvSpPr>
-          <p:nvPr>
-            <p:ph type="title"/>
-          </p:nvPr>
-        </p:nvSpPr>
-        <p:spPr/>
-        <p:txBody>
-          <a:bodyPr/>
-          <a:lstStyle/>
-          <a:p>
-            <a:pPr lvl="0" marL="0" indent="0">
-              <a:buNone/>
-            </a:pPr>
-            <a:r>
-              <a:rPr/>
-              <a:t>Learning</a:t>
-            </a:r>
-            <a:r>
-              <a:rPr/>
-              <a:t> </a:t>
-            </a:r>
-            <a:r>
-              <a:rPr/>
-              <a:t>Objectives</a:t>
-            </a:r>
-          </a:p>
-        </p:txBody>
-      </p:sp>
-      <p:sp>
-        <p:nvSpPr>
-          <p:cNvPr id="3" name="Content Placeholder 2"/>
-          <p:cNvSpPr>
-            <a:spLocks noGrp="1"/>
-          </p:cNvSpPr>
-          <p:nvPr>
-            <p:ph idx="1"/>
-          </p:nvPr>
-        </p:nvSpPr>
-        <p:spPr/>
-        <p:txBody>
-          <a:bodyPr/>
-          <a:lstStyle/>
-          <a:p>
-            <a:pPr lvl="1"/>
-            <a:r>
-              <a:rPr/>
-              <a:t>Explain how parts of the internet are related</a:t>
-            </a:r>
-          </a:p>
-          <a:p>
-            <a:pPr lvl="1"/>
-            <a:r>
-              <a:rPr/>
-              <a:t>Demonstrate how information travels across the web using manipulatives, sketches or through physical movement</a:t>
-            </a:r>
-          </a:p>
-          <a:p>
-            <a:pPr lvl="1"/>
-            <a:r>
-              <a:rPr/>
-              <a:t>Locate an IP address and explain what information it conveys.</a:t>
-            </a:r>
-          </a:p>
-        </p:txBody>
-      </p:sp>
-    </p:spTree>
-  </p:cSld>
-</p:sld>
-</file>
-
-<file path=ppt/slides/slide3.xml><?xml version="1.0" encoding="utf-8"?>
 <p:sld xmlns:a="http://schemas.openxmlformats.org/drawingml/2006/main" xmlns:r="http://schemas.openxmlformats.org/officeDocument/2006/relationships" xmlns:p="http://schemas.openxmlformats.org/presentationml/2006/main">
   <p:cSld>
     <p:spTree>
@@ -21403,6 +21067,98 @@
 </p:sld>
 </file>
 
+<file path=ppt/slides/slide3.xml><?xml version="1.0" encoding="utf-8"?>
+<p:sld xmlns:a="http://schemas.openxmlformats.org/drawingml/2006/main" xmlns:r="http://schemas.openxmlformats.org/officeDocument/2006/relationships" xmlns:p="http://schemas.openxmlformats.org/presentationml/2006/main">
+  <p:cSld>
+    <p:spTree>
+      <p:nvGrpSpPr>
+        <p:cNvPr id="1" name=""/>
+        <p:cNvGrpSpPr/>
+        <p:nvPr/>
+      </p:nvGrpSpPr>
+      <p:grpSpPr>
+        <a:xfrm>
+          <a:off x="0" y="0"/>
+          <a:ext cx="0" cy="0"/>
+          <a:chOff x="0" y="0"/>
+          <a:chExt cx="0" cy="0"/>
+        </a:xfrm>
+      </p:grpSpPr>
+      <p:sp>
+        <p:nvSpPr>
+          <p:cNvPr id="2" name="Title 1"/>
+          <p:cNvSpPr>
+            <a:spLocks noGrp="1"/>
+          </p:cNvSpPr>
+          <p:nvPr>
+            <p:ph type="title"/>
+          </p:nvPr>
+        </p:nvSpPr>
+        <p:spPr/>
+        <p:txBody>
+          <a:bodyPr/>
+          <a:lstStyle/>
+          <a:p>
+            <a:pPr lvl="0" marL="0" indent="0">
+              <a:buNone/>
+            </a:pPr>
+            <a:r>
+              <a:rPr/>
+              <a:t>Learning</a:t>
+            </a:r>
+            <a:r>
+              <a:rPr/>
+              <a:t> </a:t>
+            </a:r>
+            <a:r>
+              <a:rPr/>
+              <a:t>Objectives</a:t>
+            </a:r>
+          </a:p>
+        </p:txBody>
+      </p:sp>
+      <p:sp>
+        <p:nvSpPr>
+          <p:cNvPr id="3" name="Content Placeholder 2"/>
+          <p:cNvSpPr>
+            <a:spLocks noGrp="1"/>
+          </p:cNvSpPr>
+          <p:nvPr>
+            <p:ph idx="1"/>
+          </p:nvPr>
+        </p:nvSpPr>
+        <p:spPr/>
+        <p:txBody>
+          <a:bodyPr/>
+          <a:lstStyle/>
+          <a:p>
+            <a:pPr lvl="1"/>
+            <a:r>
+              <a:rPr/>
+              <a:t>Explain how parts of the internet are related</a:t>
+            </a:r>
+          </a:p>
+          <a:p>
+            <a:pPr lvl="1"/>
+            <a:r>
+              <a:rPr/>
+              <a:t>Demonstrate how information travels across the web using manipulatives, sketches or through physical movement</a:t>
+            </a:r>
+          </a:p>
+          <a:p>
+            <a:pPr lvl="1"/>
+            <a:r>
+              <a:rPr/>
+              <a:t>Locate an IP address and explain what information it conveys.</a:t>
+            </a:r>
+          </a:p>
+        </p:txBody>
+      </p:sp>
+    </p:spTree>
+  </p:cSld>
+</p:sld>
+</file>
+
 <file path=ppt/slides/slide4.xml><?xml version="1.0" encoding="utf-8"?>
 <p:sld xmlns:a="http://schemas.openxmlformats.org/drawingml/2006/main" xmlns:r="http://schemas.openxmlformats.org/officeDocument/2006/relationships" xmlns:p="http://schemas.openxmlformats.org/presentationml/2006/main">
   <p:cSld>
@@ -21422,6 +21178,31 @@
       </p:grpSpPr>
       <p:sp>
         <p:nvSpPr>
+          <p:cNvPr id="2" name="Title 1"/>
+          <p:cNvSpPr>
+            <a:spLocks noGrp="1"/>
+          </p:cNvSpPr>
+          <p:nvPr>
+            <p:ph type="title"/>
+          </p:nvPr>
+        </p:nvSpPr>
+        <p:spPr/>
+        <p:txBody>
+          <a:bodyPr/>
+          <a:lstStyle/>
+          <a:p>
+            <a:pPr lvl="0" marL="0" indent="0">
+              <a:buNone/>
+            </a:pPr>
+            <a:r>
+              <a:rPr/>
+              <a:t>Introduction</a:t>
+            </a:r>
+          </a:p>
+        </p:txBody>
+      </p:sp>
+      <p:sp>
+        <p:nvSpPr>
           <p:cNvPr id="3" name="Content Placeholder 2"/>
           <p:cNvSpPr>
             <a:spLocks noGrp="1"/>
@@ -21435,12 +21216,17 @@
           <a:bodyPr/>
           <a:lstStyle/>
           <a:p>
-            <a:pPr lvl="0" marL="0" indent="0">
-              <a:buNone/>
-            </a:pPr>
-            <a:r>
-              <a:rPr/>
-              <a:t>::: notes</a:t>
+            <a:pPr lvl="1"/>
+            <a:r>
+              <a:rPr/>
+              <a:t>The internet is probably one of the most, if not the most, important technologies of our time</a:t>
+            </a:r>
+          </a:p>
+          <a:p>
+            <a:pPr lvl="1"/>
+            <a:r>
+              <a:rPr/>
+              <a:t>It’s the primary way our world stores and shares all kinds of information (personal info, economic info, medical info, scientific info, and much much more)</a:t>
             </a:r>
           </a:p>
         </p:txBody>
@@ -21487,15 +21273,71 @@
             </a:pPr>
             <a:r>
               <a:rPr/>
-              <a:t>Learning</a:t>
-            </a:r>
-            <a:r>
-              <a:rPr/>
-              <a:t> </a:t>
-            </a:r>
-            <a:r>
-              <a:rPr/>
-              <a:t>Objectives</a:t>
+              <a:t>How</a:t>
+            </a:r>
+            <a:r>
+              <a:rPr/>
+              <a:t> </a:t>
+            </a:r>
+            <a:r>
+              <a:rPr/>
+              <a:t>do</a:t>
+            </a:r>
+            <a:r>
+              <a:rPr/>
+              <a:t> </a:t>
+            </a:r>
+            <a:r>
+              <a:rPr/>
+              <a:t>we</a:t>
+            </a:r>
+            <a:r>
+              <a:rPr/>
+              <a:t> </a:t>
+            </a:r>
+            <a:r>
+              <a:rPr/>
+              <a:t>“</a:t>
+            </a:r>
+            <a:r>
+              <a:rPr/>
+              <a:t>see</a:t>
+            </a:r>
+            <a:r>
+              <a:rPr/>
+              <a:t>”</a:t>
+            </a:r>
+            <a:r>
+              <a:rPr/>
+              <a:t> </a:t>
+            </a:r>
+            <a:r>
+              <a:rPr/>
+              <a:t>or</a:t>
+            </a:r>
+            <a:r>
+              <a:rPr/>
+              <a:t> </a:t>
+            </a:r>
+            <a:r>
+              <a:rPr/>
+              <a:t>understand</a:t>
+            </a:r>
+            <a:r>
+              <a:rPr/>
+              <a:t> </a:t>
+            </a:r>
+            <a:r>
+              <a:rPr/>
+              <a:t>the</a:t>
+            </a:r>
+            <a:r>
+              <a:rPr/>
+              <a:t> </a:t>
+            </a:r>
+            <a:r>
+              <a:rPr/>
+              <a:t>internet.</a:t>
             </a:r>
           </a:p>
         </p:txBody>
@@ -21518,21 +21360,35 @@
             <a:pPr lvl="1"/>
             <a:r>
               <a:rPr/>
-              <a:t>Explain how parts of the internet are related</a:t>
+              <a:t>What does the Internet look like? Can we see it?</a:t>
             </a:r>
           </a:p>
           <a:p>
             <a:pPr lvl="1"/>
             <a:r>
               <a:rPr/>
-              <a:t>Demonstrate how information travels across the web using manipulatives, sketches or through physical movement</a:t>
+              <a:t>If you had to draw a picture of it, what might that look like?</a:t>
             </a:r>
           </a:p>
           <a:p>
             <a:pPr lvl="1"/>
             <a:r>
               <a:rPr/>
-              <a:t>Locate an IP address and explain what information it conveys.</a:t>
+              <a:t>What are some metaphors for the Internet that you’ve heard (ie. surfing, tubes, spiderweb, spiders and crawlers)?</a:t>
+            </a:r>
+          </a:p>
+          <a:p>
+            <a:pPr lvl="1"/>
+            <a:r>
+              <a:rPr/>
+              <a:t>Which metaphors work best for you?</a:t>
+            </a:r>
+          </a:p>
+          <a:p>
+            <a:pPr lvl="1"/>
+            <a:r>
+              <a:rPr/>
+              <a:t>Can you propose new ones?</a:t>
             </a:r>
           </a:p>
         </p:txBody>
@@ -21579,7 +21435,23 @@
             </a:pPr>
             <a:r>
               <a:rPr/>
-              <a:t>Introduction</a:t>
+              <a:t>Brainstorm</a:t>
+            </a:r>
+            <a:r>
+              <a:rPr/>
+              <a:t> </a:t>
+            </a:r>
+            <a:r>
+              <a:rPr/>
+              <a:t>Map</a:t>
+            </a:r>
+            <a:r>
+              <a:rPr/>
+              <a:t> </a:t>
+            </a:r>
+            <a:r>
+              <a:rPr/>
+              <a:t>Elements</a:t>
             </a:r>
           </a:p>
         </p:txBody>
@@ -21599,17 +21471,12 @@
           <a:bodyPr/>
           <a:lstStyle/>
           <a:p>
-            <a:pPr lvl="1"/>
-            <a:r>
-              <a:rPr/>
-              <a:t>The internet is probably one of the most, if not the most, important technologies of our time</a:t>
-            </a:r>
-          </a:p>
-          <a:p>
-            <a:pPr lvl="1"/>
-            <a:r>
-              <a:rPr/>
-              <a:t>It’s the primary way our world stores and shares all kinds of information (personal info, economic info, medical info, scientific info, and much much more)</a:t>
+            <a:pPr lvl="0" marL="0" indent="0">
+              <a:buNone/>
+            </a:pPr>
+            <a:r>
+              <a:rPr/>
+              <a:t>Write down different components of the web, each on one sticky note</a:t>
             </a:r>
           </a:p>
         </p:txBody>
@@ -21656,122 +21523,23 @@
             </a:pPr>
             <a:r>
               <a:rPr/>
-              <a:t>How</a:t>
-            </a:r>
-            <a:r>
-              <a:rPr/>
-              <a:t> </a:t>
-            </a:r>
-            <a:r>
-              <a:rPr/>
-              <a:t>do</a:t>
-            </a:r>
-            <a:r>
-              <a:rPr/>
-              <a:t> </a:t>
-            </a:r>
-            <a:r>
-              <a:rPr/>
-              <a:t>we</a:t>
-            </a:r>
-            <a:r>
-              <a:rPr/>
-              <a:t> </a:t>
-            </a:r>
-            <a:r>
-              <a:rPr/>
-              <a:t>“</a:t>
-            </a:r>
-            <a:r>
-              <a:rPr/>
-              <a:t>see</a:t>
-            </a:r>
-            <a:r>
-              <a:rPr/>
-              <a:t>”</a:t>
-            </a:r>
-            <a:r>
-              <a:rPr/>
-              <a:t> </a:t>
-            </a:r>
-            <a:r>
-              <a:rPr/>
-              <a:t>or</a:t>
-            </a:r>
-            <a:r>
-              <a:rPr/>
-              <a:t> </a:t>
-            </a:r>
-            <a:r>
-              <a:rPr/>
-              <a:t>understand</a:t>
-            </a:r>
-            <a:r>
-              <a:rPr/>
-              <a:t> </a:t>
-            </a:r>
-            <a:r>
-              <a:rPr/>
-              <a:t>the</a:t>
-            </a:r>
-            <a:r>
-              <a:rPr/>
-              <a:t> </a:t>
-            </a:r>
-            <a:r>
-              <a:rPr/>
-              <a:t>internet.</a:t>
-            </a:r>
-          </a:p>
-        </p:txBody>
-      </p:sp>
-      <p:sp>
-        <p:nvSpPr>
-          <p:cNvPr id="3" name="Content Placeholder 2"/>
-          <p:cNvSpPr>
-            <a:spLocks noGrp="1"/>
-          </p:cNvSpPr>
-          <p:nvPr>
-            <p:ph idx="1"/>
-          </p:nvPr>
-        </p:nvSpPr>
-        <p:spPr/>
-        <p:txBody>
-          <a:bodyPr/>
-          <a:lstStyle/>
-          <a:p>
-            <a:pPr lvl="1"/>
-            <a:r>
-              <a:rPr/>
-              <a:t>What does the Internet look like? Can we see it?</a:t>
-            </a:r>
-          </a:p>
-          <a:p>
-            <a:pPr lvl="1"/>
-            <a:r>
-              <a:rPr/>
-              <a:t>If you had to draw a picture of it, what might that look like?</a:t>
-            </a:r>
-          </a:p>
-          <a:p>
-            <a:pPr lvl="1"/>
-            <a:r>
-              <a:rPr/>
-              <a:t>What are some metaphors for the Internet that you’ve heard (ie. surfing, tubes, spiderweb, spiders and crawlers)?</a:t>
-            </a:r>
-          </a:p>
-          <a:p>
-            <a:pPr lvl="1"/>
-            <a:r>
-              <a:rPr/>
-              <a:t>Which metaphors work best for you?</a:t>
-            </a:r>
-          </a:p>
-          <a:p>
-            <a:pPr lvl="1"/>
-            <a:r>
-              <a:rPr/>
-              <a:t>Can you propose new ones?</a:t>
+              <a:t>Define</a:t>
+            </a:r>
+            <a:r>
+              <a:rPr/>
+              <a:t> </a:t>
+            </a:r>
+            <a:r>
+              <a:rPr/>
+              <a:t>Web</a:t>
+            </a:r>
+            <a:r>
+              <a:rPr/>
+              <a:t> </a:t>
+            </a:r>
+            <a:r>
+              <a:rPr/>
+              <a:t>Terms</a:t>
             </a:r>
           </a:p>
         </p:txBody>
@@ -21818,7 +21586,15 @@
             </a:pPr>
             <a:r>
               <a:rPr/>
-              <a:t>Brainstorm</a:t>
+              <a:t>Assemble</a:t>
+            </a:r>
+            <a:r>
+              <a:rPr/>
+              <a:t> </a:t>
+            </a:r>
+            <a:r>
+              <a:rPr/>
+              <a:t>the</a:t>
             </a:r>
             <a:r>
               <a:rPr/>
@@ -21834,7 +21610,15 @@
             </a:r>
             <a:r>
               <a:rPr/>
-              <a:t>Elements</a:t>
+              <a:t>or</a:t>
+            </a:r>
+            <a:r>
+              <a:rPr/>
+              <a:t> </a:t>
+            </a:r>
+            <a:r>
+              <a:rPr/>
+              <a:t>Model</a:t>
             </a:r>
           </a:p>
         </p:txBody>
@@ -21854,12 +21638,17 @@
           <a:bodyPr/>
           <a:lstStyle/>
           <a:p>
-            <a:pPr lvl="0" marL="0" indent="0">
-              <a:buNone/>
-            </a:pPr>
-            <a:r>
-              <a:rPr/>
-              <a:t>Write down different components of the web, each on one sticky note</a:t>
+            <a:pPr lvl="1"/>
+            <a:r>
+              <a:rPr/>
+              <a:t>By placing sticky notes on a board</a:t>
+            </a:r>
+          </a:p>
+          <a:p>
+            <a:pPr lvl="1"/>
+            <a:r>
+              <a:rPr/>
+              <a:t>Work together to create a diagram of the internet.</a:t>
             </a:r>
           </a:p>
         </p:txBody>
@@ -21906,23 +21695,93 @@
             </a:pPr>
             <a:r>
               <a:rPr/>
-              <a:t>Define</a:t>
-            </a:r>
-            <a:r>
-              <a:rPr/>
-              <a:t> </a:t>
-            </a:r>
-            <a:r>
-              <a:rPr/>
-              <a:t>Web</a:t>
-            </a:r>
-            <a:r>
-              <a:rPr/>
-              <a:t> </a:t>
-            </a:r>
-            <a:r>
-              <a:rPr/>
-              <a:t>Terms</a:t>
+              <a:t>Perform</a:t>
+            </a:r>
+            <a:r>
+              <a:rPr/>
+              <a:t> </a:t>
+            </a:r>
+            <a:r>
+              <a:rPr/>
+              <a:t>the</a:t>
+            </a:r>
+            <a:r>
+              <a:rPr/>
+              <a:t> </a:t>
+            </a:r>
+            <a:r>
+              <a:rPr/>
+              <a:t>Net</a:t>
+            </a:r>
+          </a:p>
+        </p:txBody>
+      </p:sp>
+      <p:sp>
+        <p:nvSpPr>
+          <p:cNvPr id="3" name="Content Placeholder 2"/>
+          <p:cNvSpPr>
+            <a:spLocks noGrp="1"/>
+          </p:cNvSpPr>
+          <p:nvPr>
+            <p:ph idx="1"/>
+          </p:nvPr>
+        </p:nvSpPr>
+        <p:spPr/>
+        <p:txBody>
+          <a:bodyPr/>
+          <a:lstStyle/>
+          <a:p>
+            <a:pPr lvl="1"/>
+            <a:r>
+              <a:rPr/>
+              <a:t>Show this </a:t>
+            </a:r>
+            <a:r>
+              <a:rPr>
+                <a:hlinkClick r:id="rId3"/>
+              </a:rPr>
+              <a:t>introductory video</a:t>
+            </a:r>
+            <a:r>
+              <a:rPr/>
+              <a:t> to give learners a little more context</a:t>
+            </a:r>
+          </a:p>
+          <a:p>
+            <a:pPr lvl="1"/>
+            <a:r>
+              <a:rPr/>
+              <a:t>The information will travel from a</a:t>
+            </a:r>
+          </a:p>
+          <a:p>
+            <a:pPr lvl="2"/>
+            <a:r>
+              <a:rPr/>
+              <a:t>local (client) computer to</a:t>
+            </a:r>
+          </a:p>
+          <a:p>
+            <a:pPr lvl="2"/>
+            <a:r>
+              <a:rPr/>
+              <a:t>a Local Area Network to</a:t>
+            </a:r>
+            <a:br/>
+          </a:p>
+          <a:p>
+            <a:pPr lvl="2"/>
+            <a:r>
+              <a:rPr/>
+              <a:t>the Internet to</a:t>
+            </a:r>
+            <a:br/>
+          </a:p>
+          <a:p>
+            <a:pPr lvl="2"/>
+            <a:r>
+              <a:rPr/>
+              <a:t>the website of your choice</a:t>
             </a:r>
           </a:p>
         </p:txBody>
